--- a/static/images/toplog.pptx
+++ b/static/images/toplog.pptx
@@ -3141,7 +3141,7 @@
         </p:blipFill>
         <p:spPr bwMode="auto">
           <a:xfrm>
-            <a:off x="1699375" y="6134297"/>
+            <a:off x="2632392" y="3337264"/>
             <a:ext cx="3902759" cy="1811995"/>
           </a:xfrm>
           <a:prstGeom prst="rect">
@@ -3188,7 +3188,7 @@
         </p:blipFill>
         <p:spPr bwMode="auto">
           <a:xfrm>
-            <a:off x="6535151" y="5510258"/>
+            <a:off x="6535151" y="2089187"/>
             <a:ext cx="6590924" cy="3060072"/>
           </a:xfrm>
           <a:prstGeom prst="rect">
@@ -3235,7 +3235,7 @@
         </p:blipFill>
         <p:spPr bwMode="auto">
           <a:xfrm>
-            <a:off x="12065416" y="5335717"/>
+            <a:off x="12595744" y="1927070"/>
             <a:ext cx="6358485" cy="2952154"/>
           </a:xfrm>
           <a:prstGeom prst="rect">
@@ -3332,17 +3332,27 @@
           </p:nvSpPr>
           <p:spPr>
             <a:xfrm>
-              <a:off x="-808422" y="10855569"/>
-              <a:ext cx="31549975" cy="14960183"/>
+              <a:off x="-808422" y="8287871"/>
+              <a:ext cx="31549975" cy="17527881"/>
             </a:xfrm>
             <a:prstGeom prst="rect">
               <a:avLst/>
             </a:prstGeom>
-            <a:solidFill>
-              <a:schemeClr val="tx1">
-                <a:alpha val="33000"/>
-              </a:schemeClr>
-            </a:solidFill>
+            <a:gradFill>
+              <a:gsLst>
+                <a:gs pos="0">
+                  <a:schemeClr val="tx1">
+                    <a:alpha val="4000"/>
+                  </a:schemeClr>
+                </a:gs>
+                <a:gs pos="100000">
+                  <a:schemeClr val="tx1">
+                    <a:alpha val="47000"/>
+                  </a:schemeClr>
+                </a:gs>
+              </a:gsLst>
+              <a:lin ang="5400000" scaled="1"/>
+            </a:gradFill>
             <a:ln>
               <a:noFill/>
             </a:ln>
